--- a/turning_clock.pptx
+++ b/turning_clock.pptx
@@ -6,6 +6,9 @@
   </p:sldMasterIdLst>
   <p:sldIdLst>
     <p:sldId id="256" r:id="rId2"/>
+    <p:sldId id="257" r:id="rId3"/>
+    <p:sldId id="259" r:id="rId4"/>
+    <p:sldId id="258" r:id="rId5"/>
   </p:sldIdLst>
   <p:sldSz cx="12192000" cy="6858000"/>
   <p:notesSz cx="6858000" cy="9144000"/>
@@ -3360,10 +3363,17 @@
         </p:nvSpPr>
         <p:spPr/>
         <p:txBody>
-          <a:bodyPr/>
-          <a:lstStyle/>
-          <a:p>
-            <a:endParaRPr lang="en-US"/>
+          <a:bodyPr>
+            <a:normAutofit/>
+          </a:bodyPr>
+          <a:lstStyle/>
+          <a:p>
+            <a:r>
+              <a:rPr lang="en-US" sz="5400" dirty="0">
+                <a:latin typeface="Chalkduster" panose="03050602040202020205" pitchFamily="66" charset="77"/>
+              </a:rPr>
+              <a:t>Turning Clock</a:t>
+            </a:r>
           </a:p>
         </p:txBody>
       </p:sp>
@@ -3388,7 +3398,7 @@
           <a:bodyPr/>
           <a:lstStyle/>
           <a:p>
-            <a:endParaRPr lang="en-US"/>
+            <a:endParaRPr lang="en-US" dirty="0"/>
           </a:p>
         </p:txBody>
       </p:sp>
@@ -3396,6 +3406,410 @@
     <p:extLst>
       <p:ext uri="{BB962C8B-B14F-4D97-AF65-F5344CB8AC3E}">
         <p14:creationId xmlns:p14="http://schemas.microsoft.com/office/powerpoint/2010/main" val="2846048291"/>
+      </p:ext>
+    </p:extLst>
+  </p:cSld>
+  <p:clrMapOvr>
+    <a:masterClrMapping/>
+  </p:clrMapOvr>
+</p:sld>
+</file>
+
+<file path=ppt/slides/slide2.xml><?xml version="1.0" encoding="utf-8"?>
+<p:sld xmlns:a="http://schemas.openxmlformats.org/drawingml/2006/main" xmlns:r="http://schemas.openxmlformats.org/officeDocument/2006/relationships" xmlns:p="http://schemas.openxmlformats.org/presentationml/2006/main">
+  <p:cSld>
+    <p:spTree>
+      <p:nvGrpSpPr>
+        <p:cNvPr id="1" name=""/>
+        <p:cNvGrpSpPr/>
+        <p:nvPr/>
+      </p:nvGrpSpPr>
+      <p:grpSpPr>
+        <a:xfrm>
+          <a:off x="0" y="0"/>
+          <a:ext cx="0" cy="0"/>
+          <a:chOff x="0" y="0"/>
+          <a:chExt cx="0" cy="0"/>
+        </a:xfrm>
+      </p:grpSpPr>
+      <p:sp>
+        <p:nvSpPr>
+          <p:cNvPr id="2" name="Oval 1">
+            <a:extLst>
+              <a:ext uri="{FF2B5EF4-FFF2-40B4-BE49-F238E27FC236}">
+                <a16:creationId xmlns:a16="http://schemas.microsoft.com/office/drawing/2014/main" id="{E0584F1B-352B-4279-2A23-5DC500580FBE}"/>
+              </a:ext>
+            </a:extLst>
+          </p:cNvPr>
+          <p:cNvSpPr/>
+          <p:nvPr/>
+        </p:nvSpPr>
+        <p:spPr>
+          <a:xfrm>
+            <a:off x="3792745" y="1420248"/>
+            <a:ext cx="3632887" cy="3632887"/>
+          </a:xfrm>
+          <a:prstGeom prst="ellipse">
+            <a:avLst/>
+          </a:prstGeom>
+          <a:noFill/>
+          <a:ln w="76200">
+            <a:solidFill>
+              <a:schemeClr val="tx1"/>
+            </a:solidFill>
+          </a:ln>
+        </p:spPr>
+        <p:style>
+          <a:lnRef idx="2">
+            <a:schemeClr val="accent1">
+              <a:shade val="50000"/>
+            </a:schemeClr>
+          </a:lnRef>
+          <a:fillRef idx="1">
+            <a:schemeClr val="accent1"/>
+          </a:fillRef>
+          <a:effectRef idx="0">
+            <a:schemeClr val="accent1"/>
+          </a:effectRef>
+          <a:fontRef idx="minor">
+            <a:schemeClr val="lt1"/>
+          </a:fontRef>
+        </p:style>
+        <p:txBody>
+          <a:bodyPr rtlCol="0" anchor="ctr"/>
+          <a:lstStyle/>
+          <a:p>
+            <a:pPr algn="ctr"/>
+            <a:endParaRPr lang="en-US"/>
+          </a:p>
+        </p:txBody>
+      </p:sp>
+      <p:grpSp>
+        <p:nvGrpSpPr>
+          <p:cNvPr id="8" name="Group 7">
+            <a:extLst>
+              <a:ext uri="{FF2B5EF4-FFF2-40B4-BE49-F238E27FC236}">
+                <a16:creationId xmlns:a16="http://schemas.microsoft.com/office/drawing/2014/main" id="{F5F8FA73-EF91-6CCD-1509-FDAF7DC6CAAA}"/>
+              </a:ext>
+            </a:extLst>
+          </p:cNvPr>
+          <p:cNvGrpSpPr/>
+          <p:nvPr/>
+        </p:nvGrpSpPr>
+        <p:grpSpPr>
+          <a:xfrm>
+            <a:off x="3089189" y="716692"/>
+            <a:ext cx="5040000" cy="5040000"/>
+            <a:chOff x="3089189" y="716692"/>
+            <a:chExt cx="4967416" cy="4967416"/>
+          </a:xfrm>
+        </p:grpSpPr>
+        <p:cxnSp>
+          <p:nvCxnSpPr>
+            <p:cNvPr id="4" name="Straight Arrow Connector 3">
+              <a:extLst>
+                <a:ext uri="{FF2B5EF4-FFF2-40B4-BE49-F238E27FC236}">
+                  <a16:creationId xmlns:a16="http://schemas.microsoft.com/office/drawing/2014/main" id="{E32D0071-345A-68E6-DBD2-9478F8835AC2}"/>
+                </a:ext>
+              </a:extLst>
+            </p:cNvPr>
+            <p:cNvCxnSpPr>
+              <a:cxnSpLocks/>
+            </p:cNvCxnSpPr>
+            <p:nvPr/>
+          </p:nvCxnSpPr>
+          <p:spPr>
+            <a:xfrm flipV="1">
+              <a:off x="5572897" y="1826866"/>
+              <a:ext cx="0" cy="1373533"/>
+            </a:xfrm>
+            <a:prstGeom prst="straightConnector1">
+              <a:avLst/>
+            </a:prstGeom>
+            <a:ln w="57150">
+              <a:solidFill>
+                <a:schemeClr val="tx1"/>
+              </a:solidFill>
+              <a:tailEnd type="triangle"/>
+            </a:ln>
+          </p:spPr>
+          <p:style>
+            <a:lnRef idx="1">
+              <a:schemeClr val="accent1"/>
+            </a:lnRef>
+            <a:fillRef idx="0">
+              <a:schemeClr val="accent1"/>
+            </a:fillRef>
+            <a:effectRef idx="0">
+              <a:schemeClr val="accent1"/>
+            </a:effectRef>
+            <a:fontRef idx="minor">
+              <a:schemeClr val="tx1"/>
+            </a:fontRef>
+          </p:style>
+        </p:cxnSp>
+        <p:sp>
+          <p:nvSpPr>
+            <p:cNvPr id="7" name="Rectangle 6">
+              <a:extLst>
+                <a:ext uri="{FF2B5EF4-FFF2-40B4-BE49-F238E27FC236}">
+                  <a16:creationId xmlns:a16="http://schemas.microsoft.com/office/drawing/2014/main" id="{22D48C36-6659-3D9F-D008-2080A3B1BBB0}"/>
+                </a:ext>
+              </a:extLst>
+            </p:cNvPr>
+            <p:cNvSpPr/>
+            <p:nvPr/>
+          </p:nvSpPr>
+          <p:spPr>
+            <a:xfrm>
+              <a:off x="3089189" y="716692"/>
+              <a:ext cx="4967416" cy="4967416"/>
+            </a:xfrm>
+            <a:prstGeom prst="rect">
+              <a:avLst/>
+            </a:prstGeom>
+            <a:noFill/>
+            <a:ln>
+              <a:noFill/>
+            </a:ln>
+          </p:spPr>
+          <p:style>
+            <a:lnRef idx="2">
+              <a:schemeClr val="accent1">
+                <a:shade val="50000"/>
+              </a:schemeClr>
+            </a:lnRef>
+            <a:fillRef idx="1">
+              <a:schemeClr val="accent1"/>
+            </a:fillRef>
+            <a:effectRef idx="0">
+              <a:schemeClr val="accent1"/>
+            </a:effectRef>
+            <a:fontRef idx="minor">
+              <a:schemeClr val="lt1"/>
+            </a:fontRef>
+          </p:style>
+          <p:txBody>
+            <a:bodyPr rtlCol="0" anchor="ctr"/>
+            <a:lstStyle/>
+            <a:p>
+              <a:pPr algn="ctr"/>
+              <a:endParaRPr lang="en-US"/>
+            </a:p>
+          </p:txBody>
+        </p:sp>
+      </p:grpSp>
+    </p:spTree>
+    <p:extLst>
+      <p:ext uri="{BB962C8B-B14F-4D97-AF65-F5344CB8AC3E}">
+        <p14:creationId xmlns:p14="http://schemas.microsoft.com/office/powerpoint/2010/main" val="3234721298"/>
+      </p:ext>
+    </p:extLst>
+  </p:cSld>
+  <p:clrMapOvr>
+    <a:masterClrMapping/>
+  </p:clrMapOvr>
+  <p:timing>
+    <p:tnLst>
+      <p:par>
+        <p:cTn id="1" dur="indefinite" restart="never" nodeType="tmRoot">
+          <p:childTnLst>
+            <p:seq concurrent="1" nextAc="seek">
+              <p:cTn id="2" dur="indefinite" nodeType="mainSeq">
+                <p:childTnLst>
+                  <p:par>
+                    <p:cTn id="3" fill="hold">
+                      <p:stCondLst>
+                        <p:cond delay="indefinite"/>
+                      </p:stCondLst>
+                      <p:childTnLst>
+                        <p:par>
+                          <p:cTn id="4" fill="hold">
+                            <p:stCondLst>
+                              <p:cond delay="0"/>
+                            </p:stCondLst>
+                            <p:childTnLst>
+                              <p:par>
+                                <p:cTn id="5" presetID="8" presetClass="emph" presetSubtype="0" fill="hold" nodeType="clickEffect">
+                                  <p:stCondLst>
+                                    <p:cond delay="0"/>
+                                  </p:stCondLst>
+                                  <p:childTnLst>
+                                    <p:animRot by="21600000">
+                                      <p:cBhvr>
+                                        <p:cTn id="6" dur="4000" fill="hold"/>
+                                        <p:tgtEl>
+                                          <p:spTgt spid="8"/>
+                                        </p:tgtEl>
+                                        <p:attrNameLst>
+                                          <p:attrName>r</p:attrName>
+                                        </p:attrNameLst>
+                                      </p:cBhvr>
+                                    </p:animRot>
+                                  </p:childTnLst>
+                                </p:cTn>
+                              </p:par>
+                            </p:childTnLst>
+                          </p:cTn>
+                        </p:par>
+                      </p:childTnLst>
+                    </p:cTn>
+                  </p:par>
+                </p:childTnLst>
+              </p:cTn>
+              <p:prevCondLst>
+                <p:cond evt="onPrev" delay="0">
+                  <p:tgtEl>
+                    <p:sldTgt/>
+                  </p:tgtEl>
+                </p:cond>
+              </p:prevCondLst>
+              <p:nextCondLst>
+                <p:cond evt="onNext" delay="0">
+                  <p:tgtEl>
+                    <p:sldTgt/>
+                  </p:tgtEl>
+                </p:cond>
+              </p:nextCondLst>
+            </p:seq>
+          </p:childTnLst>
+        </p:cTn>
+      </p:par>
+    </p:tnLst>
+  </p:timing>
+</p:sld>
+</file>
+
+<file path=ppt/slides/slide3.xml><?xml version="1.0" encoding="utf-8"?>
+<p:sld xmlns:a="http://schemas.openxmlformats.org/drawingml/2006/main" xmlns:r="http://schemas.openxmlformats.org/officeDocument/2006/relationships" xmlns:p="http://schemas.openxmlformats.org/presentationml/2006/main">
+  <p:cSld>
+    <p:spTree>
+      <p:nvGrpSpPr>
+        <p:cNvPr id="1" name=""/>
+        <p:cNvGrpSpPr/>
+        <p:nvPr/>
+      </p:nvGrpSpPr>
+      <p:grpSpPr>
+        <a:xfrm>
+          <a:off x="0" y="0"/>
+          <a:ext cx="0" cy="0"/>
+          <a:chOff x="0" y="0"/>
+          <a:chExt cx="0" cy="0"/>
+        </a:xfrm>
+      </p:grpSpPr>
+      <p:sp>
+        <p:nvSpPr>
+          <p:cNvPr id="2" name="Title 1">
+            <a:extLst>
+              <a:ext uri="{FF2B5EF4-FFF2-40B4-BE49-F238E27FC236}">
+                <a16:creationId xmlns:a16="http://schemas.microsoft.com/office/drawing/2014/main" id="{DEF71D68-6792-BE6A-5F8A-1B6A901E5A13}"/>
+              </a:ext>
+            </a:extLst>
+          </p:cNvPr>
+          <p:cNvSpPr>
+            <a:spLocks noGrp="1"/>
+          </p:cNvSpPr>
+          <p:nvPr>
+            <p:ph type="title"/>
+          </p:nvPr>
+        </p:nvSpPr>
+        <p:spPr/>
+        <p:txBody>
+          <a:bodyPr/>
+          <a:lstStyle/>
+          <a:p>
+            <a:endParaRPr lang="en-US"/>
+          </a:p>
+        </p:txBody>
+      </p:sp>
+      <p:sp>
+        <p:nvSpPr>
+          <p:cNvPr id="3" name="Content Placeholder 2">
+            <a:extLst>
+              <a:ext uri="{FF2B5EF4-FFF2-40B4-BE49-F238E27FC236}">
+                <a16:creationId xmlns:a16="http://schemas.microsoft.com/office/drawing/2014/main" id="{392E2B73-1429-5987-4135-D1AD920F745D}"/>
+              </a:ext>
+            </a:extLst>
+          </p:cNvPr>
+          <p:cNvSpPr>
+            <a:spLocks noGrp="1"/>
+          </p:cNvSpPr>
+          <p:nvPr>
+            <p:ph idx="1"/>
+          </p:nvPr>
+        </p:nvSpPr>
+        <p:spPr/>
+        <p:txBody>
+          <a:bodyPr/>
+          <a:lstStyle/>
+          <a:p>
+            <a:r>
+              <a:rPr lang="en-US" dirty="0" err="1"/>
+              <a:t>用直径相交确定圆心</a:t>
+            </a:r>
+            <a:endParaRPr lang="en-US" dirty="0"/>
+          </a:p>
+          <a:p>
+            <a:r>
+              <a:rPr lang="en-US" dirty="0" err="1"/>
+              <a:t>将外正方形与指针group起</a:t>
+            </a:r>
+            <a:r>
+              <a:rPr lang="zh-CN" altLang="en-US" dirty="0"/>
+              <a:t>，设置旋转</a:t>
+            </a:r>
+            <a:endParaRPr lang="en-US" dirty="0"/>
+          </a:p>
+          <a:p>
+            <a:r>
+              <a:rPr lang="en-US" dirty="0" err="1"/>
+              <a:t>用对角线确定正方形中心</a:t>
+            </a:r>
+            <a:endParaRPr lang="en-US" dirty="0"/>
+          </a:p>
+          <a:p>
+            <a:r>
+              <a:rPr lang="en-US" dirty="0" err="1"/>
+              <a:t>圆心和中心设置为同一点</a:t>
+            </a:r>
+            <a:endParaRPr lang="en-US" dirty="0"/>
+          </a:p>
+        </p:txBody>
+      </p:sp>
+    </p:spTree>
+    <p:extLst>
+      <p:ext uri="{BB962C8B-B14F-4D97-AF65-F5344CB8AC3E}">
+        <p14:creationId xmlns:p14="http://schemas.microsoft.com/office/powerpoint/2010/main" val="573269146"/>
+      </p:ext>
+    </p:extLst>
+  </p:cSld>
+  <p:clrMapOvr>
+    <a:masterClrMapping/>
+  </p:clrMapOvr>
+</p:sld>
+</file>
+
+<file path=ppt/slides/slide4.xml><?xml version="1.0" encoding="utf-8"?>
+<p:sld xmlns:a="http://schemas.openxmlformats.org/drawingml/2006/main" xmlns:r="http://schemas.openxmlformats.org/officeDocument/2006/relationships" xmlns:p="http://schemas.openxmlformats.org/presentationml/2006/main">
+  <p:cSld>
+    <p:spTree>
+      <p:nvGrpSpPr>
+        <p:cNvPr id="1" name=""/>
+        <p:cNvGrpSpPr/>
+        <p:nvPr/>
+      </p:nvGrpSpPr>
+      <p:grpSpPr>
+        <a:xfrm>
+          <a:off x="0" y="0"/>
+          <a:ext cx="0" cy="0"/>
+          <a:chOff x="0" y="0"/>
+          <a:chExt cx="0" cy="0"/>
+        </a:xfrm>
+      </p:grpSpPr>
+    </p:spTree>
+    <p:extLst>
+      <p:ext uri="{BB962C8B-B14F-4D97-AF65-F5344CB8AC3E}">
+        <p14:creationId xmlns:p14="http://schemas.microsoft.com/office/powerpoint/2010/main" val="4262501917"/>
       </p:ext>
     </p:extLst>
   </p:cSld>
